--- a/Diagram comparativo Wireshark e Tcpdump.pptx
+++ b/Diagram comparativo Wireshark e Tcpdump.pptx
@@ -5789,7 +5789,7 @@
         <p:spPr>
           <a:xfrm>
             <a:off x="844062" y="1929094"/>
-            <a:ext cx="3174333" cy="2909997"/>
+            <a:ext cx="3174333" cy="2715328"/>
           </a:xfrm>
           <a:prstGeom prst="rect">
             <a:avLst/>
@@ -5829,17 +5829,170 @@
               <a:t>Interface: </a:t>
             </a:r>
             <a:r>
+              <a:rPr lang="pt-BR" sz="1100" dirty="0" err="1">
+                <a:effectLst/>
+                <a:latin typeface="Segoe UI Web (West European)"/>
+              </a:rPr>
+              <a:t>Graphical</a:t>
+            </a:r>
+            <a:r>
               <a:rPr lang="pt-BR" sz="1100" dirty="0">
-                <a:solidFill>
-                  <a:schemeClr val="dk1"/>
-                </a:solidFill>
-                <a:latin typeface="Roboto"/>
-                <a:ea typeface="Roboto"/>
-                <a:cs typeface="Roboto"/>
-                <a:sym typeface="Roboto"/>
-              </a:rPr>
-              <a:t>Interface gráfica (GUI)</a:t>
-            </a:r>
+                <a:effectLst/>
+                <a:latin typeface="Segoe UI Web (West European)"/>
+              </a:rPr>
+              <a:t> Interface(GUI) </a:t>
+            </a:r>
+            <a:r>
+              <a:rPr lang="pt-BR" sz="1100" b="1" dirty="0" err="1">
+                <a:solidFill>
+                  <a:schemeClr val="dk1"/>
+                </a:solidFill>
+                <a:latin typeface="Roboto"/>
+                <a:ea typeface="Roboto"/>
+                <a:cs typeface="Roboto"/>
+                <a:sym typeface="Roboto"/>
+              </a:rPr>
+              <a:t>Visualization</a:t>
+            </a:r>
+            <a:r>
+              <a:rPr lang="pt-BR" sz="1100" b="1" dirty="0">
+                <a:solidFill>
+                  <a:schemeClr val="dk1"/>
+                </a:solidFill>
+                <a:latin typeface="Roboto"/>
+                <a:ea typeface="Roboto"/>
+                <a:cs typeface="Roboto"/>
+                <a:sym typeface="Roboto"/>
+              </a:rPr>
+              <a:t>:</a:t>
+            </a:r>
+            <a:r>
+              <a:rPr lang="en-US" sz="1100" dirty="0">
+                <a:solidFill>
+                  <a:schemeClr val="dk1"/>
+                </a:solidFill>
+                <a:latin typeface="Roboto"/>
+                <a:ea typeface="Roboto"/>
+                <a:cs typeface="Roboto"/>
+                <a:sym typeface="Roboto"/>
+              </a:rPr>
+              <a:t>Displays packets in windows, with layered decoding</a:t>
+            </a:r>
+            <a:endParaRPr lang="pt-BR" sz="1100" dirty="0">
+              <a:solidFill>
+                <a:schemeClr val="dk1"/>
+              </a:solidFill>
+              <a:latin typeface="Roboto"/>
+              <a:ea typeface="Roboto"/>
+              <a:cs typeface="Roboto"/>
+              <a:sym typeface="Roboto"/>
+            </a:endParaRPr>
+          </a:p>
+          <a:p>
+            <a:pPr marL="330200" lvl="4" indent="-171450">
+              <a:lnSpc>
+                <a:spcPct val="115000"/>
+              </a:lnSpc>
+              <a:buClr>
+                <a:schemeClr val="dk1"/>
+              </a:buClr>
+              <a:buSzPts val="1100"/>
+              <a:buFont typeface="Wingdings" panose="05000000000000000000" pitchFamily="2" charset="2"/>
+              <a:buChar char="§"/>
+            </a:pPr>
+            <a:r>
+              <a:rPr lang="pt-BR" sz="1100" b="1" dirty="0" err="1">
+                <a:solidFill>
+                  <a:schemeClr val="dk1"/>
+                </a:solidFill>
+                <a:latin typeface="Roboto"/>
+                <a:ea typeface="Roboto"/>
+                <a:cs typeface="Roboto"/>
+                <a:sym typeface="Roboto"/>
+              </a:rPr>
+              <a:t>Level</a:t>
+            </a:r>
+            <a:r>
+              <a:rPr lang="pt-BR" sz="1100" b="1" dirty="0">
+                <a:solidFill>
+                  <a:schemeClr val="dk1"/>
+                </a:solidFill>
+                <a:latin typeface="Roboto"/>
+                <a:ea typeface="Roboto"/>
+                <a:cs typeface="Roboto"/>
+                <a:sym typeface="Roboto"/>
+              </a:rPr>
+              <a:t> </a:t>
+            </a:r>
+            <a:r>
+              <a:rPr lang="pt-BR" sz="1100" b="1" dirty="0" err="1">
+                <a:solidFill>
+                  <a:schemeClr val="dk1"/>
+                </a:solidFill>
+                <a:latin typeface="Roboto"/>
+                <a:ea typeface="Roboto"/>
+                <a:cs typeface="Roboto"/>
+                <a:sym typeface="Roboto"/>
+              </a:rPr>
+              <a:t>of</a:t>
+            </a:r>
+            <a:r>
+              <a:rPr lang="pt-BR" sz="1100" b="1" dirty="0">
+                <a:solidFill>
+                  <a:schemeClr val="dk1"/>
+                </a:solidFill>
+                <a:latin typeface="Roboto"/>
+                <a:ea typeface="Roboto"/>
+                <a:cs typeface="Roboto"/>
+                <a:sym typeface="Roboto"/>
+              </a:rPr>
+              <a:t> </a:t>
+            </a:r>
+            <a:r>
+              <a:rPr lang="pt-BR" sz="1100" b="1" dirty="0" err="1">
+                <a:solidFill>
+                  <a:schemeClr val="dk1"/>
+                </a:solidFill>
+                <a:latin typeface="Roboto"/>
+                <a:ea typeface="Roboto"/>
+                <a:cs typeface="Roboto"/>
+                <a:sym typeface="Roboto"/>
+              </a:rPr>
+              <a:t>detail</a:t>
+            </a:r>
+            <a:r>
+              <a:rPr lang="pt-BR" sz="1100" b="1" dirty="0">
+                <a:solidFill>
+                  <a:schemeClr val="dk1"/>
+                </a:solidFill>
+                <a:latin typeface="Roboto"/>
+                <a:ea typeface="Roboto"/>
+                <a:cs typeface="Roboto"/>
+                <a:sym typeface="Roboto"/>
+              </a:rPr>
+              <a:t>: </a:t>
+            </a:r>
+            <a:r>
+              <a:rPr lang="en-US" sz="1100" dirty="0">
+                <a:solidFill>
+                  <a:schemeClr val="dk1"/>
+                </a:solidFill>
+                <a:latin typeface="Roboto"/>
+                <a:ea typeface="Roboto"/>
+                <a:cs typeface="Roboto"/>
+                <a:sym typeface="Roboto"/>
+              </a:rPr>
+              <a:t>Very high (decodes protocols and displays hierarchically).</a:t>
+            </a:r>
+            <a:endParaRPr lang="pt-BR" sz="1100" dirty="0">
+              <a:solidFill>
+                <a:schemeClr val="dk1"/>
+              </a:solidFill>
+              <a:latin typeface="Roboto"/>
+              <a:ea typeface="Roboto"/>
+              <a:cs typeface="Roboto"/>
+              <a:sym typeface="Roboto"/>
+            </a:endParaRPr>
           </a:p>
           <a:p>
             <a:pPr marL="330200" indent="-171450">
@@ -5863,7 +6016,67 @@
                 <a:cs typeface="Roboto"/>
                 <a:sym typeface="Roboto"/>
               </a:rPr>
-              <a:t>Visualização: </a:t>
+              <a:t>Post-capture </a:t>
+            </a:r>
+            <a:r>
+              <a:rPr lang="pt-BR" sz="1100" b="1" dirty="0" err="1">
+                <a:solidFill>
+                  <a:schemeClr val="dk1"/>
+                </a:solidFill>
+                <a:latin typeface="Roboto"/>
+                <a:ea typeface="Roboto"/>
+                <a:cs typeface="Roboto"/>
+                <a:sym typeface="Roboto"/>
+              </a:rPr>
+              <a:t>analysis</a:t>
+            </a:r>
+            <a:r>
+              <a:rPr lang="en-US" sz="1100" b="1" dirty="0">
+                <a:solidFill>
+                  <a:schemeClr val="dk1"/>
+                </a:solidFill>
+                <a:latin typeface="Roboto"/>
+                <a:ea typeface="Roboto"/>
+                <a:cs typeface="Roboto"/>
+                <a:sym typeface="Roboto"/>
+              </a:rPr>
+              <a:t>:</a:t>
+            </a:r>
+            <a:r>
+              <a:rPr lang="en-US" sz="1100" dirty="0">
+                <a:solidFill>
+                  <a:schemeClr val="dk1"/>
+                </a:solidFill>
+                <a:latin typeface="Roboto"/>
+                <a:ea typeface="Roboto"/>
+                <a:cs typeface="Roboto"/>
+                <a:sym typeface="Roboto"/>
+              </a:rPr>
+              <a:t> Extensive: </a:t>
+            </a:r>
+            <a:r>
+              <a:rPr lang="en-US" sz="1100" dirty="0" err="1">
+                <a:solidFill>
+                  <a:schemeClr val="dk1"/>
+                </a:solidFill>
+                <a:latin typeface="Roboto"/>
+                <a:ea typeface="Roboto"/>
+                <a:cs typeface="Roboto"/>
+                <a:sym typeface="Roboto"/>
+              </a:rPr>
+              <a:t>graphics,Statistics</a:t>
+            </a:r>
+            <a:r>
+              <a:rPr lang="en-US" sz="1100" dirty="0">
+                <a:solidFill>
+                  <a:schemeClr val="dk1"/>
+                </a:solidFill>
+                <a:latin typeface="Roboto"/>
+                <a:ea typeface="Roboto"/>
+                <a:cs typeface="Roboto"/>
+                <a:sym typeface="Roboto"/>
+              </a:rPr>
+              <a:t>, rebuilding streams</a:t>
             </a:r>
             <a:r>
               <a:rPr lang="pt-BR" sz="1100" dirty="0">
@@ -5875,44 +6088,7 @@
                 <a:cs typeface="Roboto"/>
                 <a:sym typeface="Roboto"/>
               </a:rPr>
-              <a:t>Exibe pacotes em janelas, com decodificação por camadas</a:t>
-            </a:r>
-          </a:p>
-          <a:p>
-            <a:pPr marL="330200" lvl="4" indent="-171450">
-              <a:lnSpc>
-                <a:spcPct val="115000"/>
-              </a:lnSpc>
-              <a:buClr>
-                <a:schemeClr val="dk1"/>
-              </a:buClr>
-              <a:buSzPts val="1100"/>
-              <a:buFont typeface="Wingdings" panose="05000000000000000000" pitchFamily="2" charset="2"/>
-              <a:buChar char="§"/>
-            </a:pPr>
-            <a:r>
-              <a:rPr lang="pt-BR" sz="1100" b="1" dirty="0">
-                <a:solidFill>
-                  <a:schemeClr val="dk1"/>
-                </a:solidFill>
-                <a:latin typeface="Roboto"/>
-                <a:ea typeface="Roboto"/>
-                <a:cs typeface="Roboto"/>
-                <a:sym typeface="Roboto"/>
-              </a:rPr>
-              <a:t>Nível de detalhe: </a:t>
-            </a:r>
-            <a:r>
-              <a:rPr lang="pt-BR" sz="1100" dirty="0">
-                <a:solidFill>
-                  <a:schemeClr val="dk1"/>
-                </a:solidFill>
-                <a:latin typeface="Roboto"/>
-                <a:ea typeface="Roboto"/>
-                <a:cs typeface="Roboto"/>
-                <a:sym typeface="Roboto"/>
-              </a:rPr>
-              <a:t>Muito alto ( decodifica protocolos e exibe hierarquicamente).</a:t>
+              <a:t>.</a:t>
             </a:r>
           </a:p>
           <a:p>
@@ -5937,66 +6113,66 @@
                 <a:cs typeface="Roboto"/>
                 <a:sym typeface="Roboto"/>
               </a:rPr>
-              <a:t>Analise pós-captura: </a:t>
-            </a:r>
-            <a:r>
-              <a:rPr lang="pt-BR" sz="1100" dirty="0">
-                <a:solidFill>
-                  <a:schemeClr val="dk1"/>
-                </a:solidFill>
-                <a:latin typeface="Roboto"/>
-                <a:ea typeface="Roboto"/>
-                <a:cs typeface="Roboto"/>
-                <a:sym typeface="Roboto"/>
-              </a:rPr>
-              <a:t>Extensa: gráficos,</a:t>
-            </a:r>
-          </a:p>
-          <a:p>
-            <a:pPr marL="158750">
-              <a:lnSpc>
-                <a:spcPct val="115000"/>
-              </a:lnSpc>
-              <a:buClr>
-                <a:schemeClr val="dk1"/>
-              </a:buClr>
-              <a:buSzPts val="1100"/>
-            </a:pPr>
-            <a:r>
-              <a:rPr lang="pt-BR" sz="1100" dirty="0">
-                <a:solidFill>
-                  <a:schemeClr val="dk1"/>
-                </a:solidFill>
-                <a:latin typeface="Roboto"/>
-                <a:ea typeface="Roboto"/>
-                <a:cs typeface="Roboto"/>
-                <a:sym typeface="Roboto"/>
-              </a:rPr>
-              <a:t>     estatísticas , reconstrução de </a:t>
-            </a:r>
-            <a:r>
-              <a:rPr lang="pt-BR" sz="1100" dirty="0" err="1">
-                <a:solidFill>
-                  <a:schemeClr val="dk1"/>
-                </a:solidFill>
-                <a:latin typeface="Roboto"/>
-                <a:ea typeface="Roboto"/>
-                <a:cs typeface="Roboto"/>
-                <a:sym typeface="Roboto"/>
-              </a:rPr>
-              <a:t>streams</a:t>
-            </a:r>
-            <a:r>
-              <a:rPr lang="pt-BR" sz="1100" dirty="0">
-                <a:solidFill>
-                  <a:schemeClr val="dk1"/>
-                </a:solidFill>
-                <a:latin typeface="Roboto"/>
-                <a:ea typeface="Roboto"/>
-                <a:cs typeface="Roboto"/>
-                <a:sym typeface="Roboto"/>
-              </a:rPr>
-              <a:t>.</a:t>
+              <a:t>Capture </a:t>
+            </a:r>
+            <a:r>
+              <a:rPr lang="pt-BR" sz="1100" b="1" dirty="0" err="1">
+                <a:solidFill>
+                  <a:schemeClr val="dk1"/>
+                </a:solidFill>
+                <a:latin typeface="Roboto"/>
+                <a:ea typeface="Roboto"/>
+                <a:cs typeface="Roboto"/>
+                <a:sym typeface="Roboto"/>
+              </a:rPr>
+              <a:t>filter</a:t>
+            </a:r>
+            <a:r>
+              <a:rPr lang="pt-BR" sz="1100" b="1" dirty="0">
+                <a:solidFill>
+                  <a:schemeClr val="dk1"/>
+                </a:solidFill>
+                <a:latin typeface="Roboto"/>
+                <a:ea typeface="Roboto"/>
+                <a:cs typeface="Roboto"/>
+                <a:sym typeface="Roboto"/>
+              </a:rPr>
+              <a:t>: </a:t>
+            </a:r>
+            <a:r>
+              <a:rPr lang="en-US" sz="1100" dirty="0">
+                <a:solidFill>
+                  <a:schemeClr val="dk1"/>
+                </a:solidFill>
+                <a:latin typeface="Roboto"/>
+                <a:ea typeface="Roboto"/>
+                <a:cs typeface="Roboto"/>
+                <a:sym typeface="Roboto"/>
+              </a:rPr>
+              <a:t>Beyond GMP filters</a:t>
+            </a:r>
+            <a:br>
+              <a:rPr lang="en-US" sz="1100" dirty="0">
+                <a:solidFill>
+                  <a:schemeClr val="dk1"/>
+                </a:solidFill>
+                <a:latin typeface="Roboto"/>
+                <a:ea typeface="Roboto"/>
+                <a:cs typeface="Roboto"/>
+                <a:sym typeface="Roboto"/>
+              </a:rPr>
+            </a:br>
+            <a:r>
+              <a:rPr lang="en-US" sz="1100" dirty="0">
+                <a:solidFill>
+                  <a:schemeClr val="dk1"/>
+                </a:solidFill>
+                <a:latin typeface="Roboto"/>
+                <a:ea typeface="Roboto"/>
+                <a:cs typeface="Roboto"/>
+                <a:sym typeface="Roboto"/>
+              </a:rPr>
+              <a:t>+ More complex display filters.</a:t>
             </a:r>
           </a:p>
           <a:p>
@@ -6012,51 +6188,29 @@
               <a:buChar char="§"/>
             </a:pPr>
             <a:r>
-              <a:rPr lang="pt-BR" sz="1100" b="1" dirty="0">
-                <a:solidFill>
-                  <a:schemeClr val="dk1"/>
-                </a:solidFill>
-                <a:latin typeface="Roboto"/>
-                <a:ea typeface="Roboto"/>
-                <a:cs typeface="Roboto"/>
-                <a:sym typeface="Roboto"/>
-              </a:rPr>
-              <a:t>Filtro de captura: </a:t>
-            </a:r>
-            <a:r>
-              <a:rPr lang="pt-BR" sz="1100" dirty="0">
-                <a:solidFill>
-                  <a:schemeClr val="dk1"/>
-                </a:solidFill>
-                <a:latin typeface="Roboto"/>
-                <a:ea typeface="Roboto"/>
-                <a:cs typeface="Roboto"/>
-                <a:sym typeface="Roboto"/>
-              </a:rPr>
-              <a:t>Além dos filtros BPF</a:t>
-            </a:r>
-            <a:br>
-              <a:rPr lang="pt-BR" sz="1100" dirty="0">
-                <a:solidFill>
-                  <a:schemeClr val="dk1"/>
-                </a:solidFill>
-                <a:latin typeface="Roboto"/>
-                <a:ea typeface="Roboto"/>
-                <a:cs typeface="Roboto"/>
-                <a:sym typeface="Roboto"/>
-              </a:rPr>
-            </a:br>
-            <a:r>
-              <a:rPr lang="pt-BR" sz="1100" dirty="0">
-                <a:solidFill>
-                  <a:schemeClr val="dk1"/>
-                </a:solidFill>
-                <a:latin typeface="Roboto"/>
-                <a:ea typeface="Roboto"/>
-                <a:cs typeface="Roboto"/>
-                <a:sym typeface="Roboto"/>
-              </a:rPr>
-              <a:t>+ filtros de exibição mais complexos.</a:t>
+              <a:rPr lang="en-US" sz="1100" b="1" dirty="0">
+                <a:solidFill>
+                  <a:schemeClr val="dk1"/>
+                </a:solidFill>
+                <a:latin typeface="Roboto"/>
+                <a:ea typeface="Roboto"/>
+                <a:cs typeface="Roboto"/>
+                <a:sym typeface="Roboto"/>
+              </a:rPr>
+              <a:t>Performance: </a:t>
+            </a:r>
+            <a:r>
+              <a:rPr lang="en-US" sz="1100" dirty="0">
+                <a:solidFill>
+                  <a:schemeClr val="dk1"/>
+                </a:solidFill>
+                <a:latin typeface="Roboto"/>
+                <a:ea typeface="Roboto"/>
+                <a:cs typeface="Roboto"/>
+                <a:sym typeface="Roboto"/>
+              </a:rPr>
+              <a:t>Heavier, consumes 
+     more CPU and memory.</a:t>
             </a:r>
           </a:p>
           <a:p>
@@ -6072,6 +6226,18 @@
               <a:buChar char="§"/>
             </a:pPr>
             <a:r>
+              <a:rPr lang="pt-BR" sz="1100" b="1" dirty="0" err="1">
+                <a:solidFill>
+                  <a:schemeClr val="dk1"/>
+                </a:solidFill>
+                <a:latin typeface="Roboto"/>
+                <a:ea typeface="Roboto"/>
+                <a:cs typeface="Roboto"/>
+                <a:sym typeface="Roboto"/>
+              </a:rPr>
+              <a:t>Typical</a:t>
+            </a:r>
+            <a:r>
               <a:rPr lang="pt-BR" sz="1100" b="1" dirty="0">
                 <a:solidFill>
                   <a:schemeClr val="dk1"/>
@@ -6081,114 +6247,21 @@
                 <a:cs typeface="Roboto"/>
                 <a:sym typeface="Roboto"/>
               </a:rPr>
-              <a:t>Desempenho:</a:t>
-            </a:r>
-            <a:r>
-              <a:rPr lang="pt-BR" sz="1100" dirty="0">
-                <a:solidFill>
-                  <a:schemeClr val="dk1"/>
-                </a:solidFill>
-                <a:latin typeface="Roboto"/>
-                <a:ea typeface="Roboto"/>
-                <a:cs typeface="Roboto"/>
-                <a:sym typeface="Roboto"/>
-              </a:rPr>
-              <a:t> Mais pesado, consome </a:t>
-            </a:r>
-          </a:p>
-          <a:p>
-            <a:pPr marL="158750">
-              <a:lnSpc>
-                <a:spcPct val="115000"/>
-              </a:lnSpc>
-              <a:buClr>
-                <a:schemeClr val="dk1"/>
-              </a:buClr>
-              <a:buSzPts val="1100"/>
-            </a:pPr>
-            <a:r>
-              <a:rPr lang="pt-BR" sz="1100" dirty="0">
-                <a:solidFill>
-                  <a:schemeClr val="dk1"/>
-                </a:solidFill>
-                <a:latin typeface="Roboto"/>
-                <a:ea typeface="Roboto"/>
-                <a:cs typeface="Roboto"/>
-                <a:sym typeface="Roboto"/>
-              </a:rPr>
-              <a:t>     mais CPU e memória.</a:t>
-            </a:r>
-          </a:p>
-          <a:p>
-            <a:pPr marL="330200" indent="-171450">
-              <a:lnSpc>
-                <a:spcPct val="115000"/>
-              </a:lnSpc>
-              <a:buClr>
-                <a:schemeClr val="dk1"/>
-              </a:buClr>
-              <a:buSzPts val="1100"/>
-              <a:buFont typeface="Wingdings" panose="05000000000000000000" pitchFamily="2" charset="2"/>
-              <a:buChar char="§"/>
-            </a:pPr>
-            <a:r>
-              <a:rPr lang="pt-BR" sz="1100" b="1" dirty="0">
-                <a:solidFill>
-                  <a:schemeClr val="dk1"/>
-                </a:solidFill>
-                <a:latin typeface="Roboto"/>
-                <a:ea typeface="Roboto"/>
-                <a:cs typeface="Roboto"/>
-                <a:sym typeface="Roboto"/>
-              </a:rPr>
-              <a:t>Uso típico: </a:t>
-            </a:r>
-            <a:r>
-              <a:rPr lang="pt-BR" sz="1100" dirty="0">
-                <a:solidFill>
-                  <a:schemeClr val="dk1"/>
-                </a:solidFill>
-                <a:latin typeface="Roboto"/>
-                <a:ea typeface="Roboto"/>
-                <a:cs typeface="Roboto"/>
-                <a:sym typeface="Roboto"/>
-              </a:rPr>
-              <a:t>Analise visual profunda,</a:t>
-            </a:r>
-          </a:p>
-          <a:p>
-            <a:pPr marL="158750">
-              <a:lnSpc>
-                <a:spcPct val="115000"/>
-              </a:lnSpc>
-              <a:buClr>
-                <a:schemeClr val="dk1"/>
-              </a:buClr>
-              <a:buSzPts val="1100"/>
-            </a:pPr>
-            <a:r>
-              <a:rPr lang="pt-BR" sz="1100" dirty="0">
-                <a:solidFill>
-                  <a:schemeClr val="dk1"/>
-                </a:solidFill>
-                <a:latin typeface="Roboto"/>
-                <a:ea typeface="Roboto"/>
-                <a:cs typeface="Roboto"/>
-                <a:sym typeface="Roboto"/>
-              </a:rPr>
-              <a:t>     ensino e depuração de rede.</a:t>
-            </a:r>
-          </a:p>
-          <a:p>
-            <a:pPr marL="158750">
-              <a:lnSpc>
-                <a:spcPct val="115000"/>
-              </a:lnSpc>
-              <a:buClr>
-                <a:schemeClr val="dk1"/>
-              </a:buClr>
-              <a:buSzPts val="1100"/>
-            </a:pPr>
+              <a:t> use: </a:t>
+            </a:r>
+            <a:r>
+              <a:rPr lang="en-US" sz="1100" dirty="0">
+                <a:solidFill>
+                  <a:schemeClr val="dk1"/>
+                </a:solidFill>
+                <a:latin typeface="Roboto"/>
+                <a:ea typeface="Roboto"/>
+                <a:cs typeface="Roboto"/>
+                <a:sym typeface="Roboto"/>
+              </a:rPr>
+              <a:t>Deep visual analysis,
+     network teaching and debugging.</a:t>
+            </a:r>
             <a:endParaRPr lang="pt-BR" sz="1100" dirty="0">
               <a:solidFill>
                 <a:schemeClr val="dk1"/>
@@ -6210,7 +6283,7 @@
         <p:spPr>
           <a:xfrm>
             <a:off x="4387523" y="1906579"/>
-            <a:ext cx="1958686" cy="2662237"/>
+            <a:ext cx="1958686" cy="2131322"/>
           </a:xfrm>
           <a:prstGeom prst="rect">
             <a:avLst/>
@@ -6238,31 +6311,19 @@
               <a:buChar char="●"/>
             </a:pPr>
             <a:r>
-              <a:rPr lang="pt-BR" sz="1000" dirty="0">
-                <a:solidFill>
-                  <a:schemeClr val="dk1"/>
-                </a:solidFill>
-                <a:latin typeface="Roboto"/>
-                <a:ea typeface="Roboto"/>
-                <a:cs typeface="Roboto"/>
-                <a:sym typeface="Roboto"/>
-              </a:rPr>
-              <a:t>Ambos usam o formato </a:t>
-            </a:r>
-            <a:r>
-              <a:rPr lang="pt-BR" sz="1000" b="1" dirty="0">
-                <a:solidFill>
-                  <a:schemeClr val="dk1"/>
-                </a:solidFill>
-                <a:latin typeface="Roboto"/>
-                <a:ea typeface="Roboto"/>
-                <a:cs typeface="Roboto"/>
-                <a:sym typeface="Roboto"/>
-              </a:rPr>
-              <a:t>.</a:t>
-            </a:r>
-            <a:r>
-              <a:rPr lang="pt-BR" sz="1000" b="1" dirty="0" err="1">
+              <a:rPr lang="en-US" sz="1000" dirty="0">
+                <a:solidFill>
+                  <a:schemeClr val="dk1"/>
+                </a:solidFill>
+                <a:latin typeface="Roboto"/>
+                <a:ea typeface="Roboto"/>
+                <a:cs typeface="Roboto"/>
+                <a:sym typeface="Roboto"/>
+              </a:rPr>
+              <a:t>Both use the .</a:t>
+            </a:r>
+            <a:r>
+              <a:rPr lang="en-US" sz="1000" dirty="0" err="1">
                 <a:solidFill>
                   <a:schemeClr val="dk1"/>
                 </a:solidFill>
@@ -6274,31 +6335,19 @@
               <a:t>pcap</a:t>
             </a:r>
             <a:r>
-              <a:rPr lang="pt-BR" sz="1000" dirty="0">
-                <a:solidFill>
-                  <a:schemeClr val="dk1"/>
-                </a:solidFill>
-                <a:latin typeface="Roboto"/>
-                <a:ea typeface="Roboto"/>
-                <a:cs typeface="Roboto"/>
-                <a:sym typeface="Roboto"/>
-              </a:rPr>
-              <a:t>(ou </a:t>
-            </a:r>
-            <a:r>
-              <a:rPr lang="pt-BR" sz="1000" b="1" dirty="0">
-                <a:solidFill>
-                  <a:schemeClr val="dk1"/>
-                </a:solidFill>
-                <a:latin typeface="Roboto"/>
-                <a:ea typeface="Roboto"/>
-                <a:cs typeface="Roboto"/>
-                <a:sym typeface="Roboto"/>
-              </a:rPr>
-              <a:t>.</a:t>
-            </a:r>
-            <a:r>
-              <a:rPr lang="pt-BR" sz="1000" b="1" dirty="0" err="1">
+              <a:rPr lang="en-US" sz="1000" dirty="0">
+                <a:solidFill>
+                  <a:schemeClr val="dk1"/>
+                </a:solidFill>
+                <a:latin typeface="Roboto"/>
+                <a:ea typeface="Roboto"/>
+                <a:cs typeface="Roboto"/>
+                <a:sym typeface="Roboto"/>
+              </a:rPr>
+              <a:t>(or .</a:t>
+            </a:r>
+            <a:r>
+              <a:rPr lang="en-US" sz="1000" dirty="0" err="1">
                 <a:solidFill>
                   <a:schemeClr val="dk1"/>
                 </a:solidFill>
@@ -6310,16 +6359,16 @@
               <a:t>pcapng</a:t>
             </a:r>
             <a:r>
-              <a:rPr lang="pt-BR" sz="1000" dirty="0">
-                <a:solidFill>
-                  <a:schemeClr val="dk1"/>
-                </a:solidFill>
-                <a:latin typeface="Roboto"/>
-                <a:ea typeface="Roboto"/>
-                <a:cs typeface="Roboto"/>
-                <a:sym typeface="Roboto"/>
-              </a:rPr>
-              <a:t>) para salvar e ler capturas de pacotes.</a:t>
+              <a:rPr lang="en-US" sz="1000" dirty="0">
+                <a:solidFill>
+                  <a:schemeClr val="dk1"/>
+                </a:solidFill>
+                <a:latin typeface="Roboto"/>
+                <a:ea typeface="Roboto"/>
+                <a:cs typeface="Roboto"/>
+                <a:sym typeface="Roboto"/>
+              </a:rPr>
+              <a:t>) format to save and read packet captures.</a:t>
             </a:r>
           </a:p>
           <a:p>
@@ -6344,7 +6393,31 @@
                 <a:cs typeface="Roboto"/>
                 <a:sym typeface="Roboto"/>
               </a:rPr>
-              <a:t>Ambos utilizam filtros </a:t>
+              <a:t>Both use </a:t>
+            </a:r>
+            <a:r>
+              <a:rPr lang="pt-BR" sz="1000" dirty="0" err="1">
+                <a:solidFill>
+                  <a:schemeClr val="dk1"/>
+                </a:solidFill>
+                <a:latin typeface="Roboto"/>
+                <a:ea typeface="Roboto"/>
+                <a:cs typeface="Roboto"/>
+                <a:sym typeface="Roboto"/>
+              </a:rPr>
+              <a:t>filters</a:t>
+            </a:r>
+            <a:r>
+              <a:rPr lang="pt-BR" sz="1000" dirty="0">
+                <a:solidFill>
+                  <a:schemeClr val="dk1"/>
+                </a:solidFill>
+                <a:latin typeface="Roboto"/>
+                <a:ea typeface="Roboto"/>
+                <a:cs typeface="Roboto"/>
+                <a:sym typeface="Roboto"/>
+              </a:rPr>
+              <a:t> </a:t>
             </a:r>
             <a:r>
               <a:rPr lang="pt-BR" sz="1000" b="1" dirty="0">
@@ -6384,6 +6457,42 @@
               <a:buChar char="●"/>
             </a:pPr>
             <a:r>
+              <a:rPr lang="en-US" sz="1000" dirty="0">
+                <a:solidFill>
+                  <a:schemeClr val="dk1"/>
+                </a:solidFill>
+                <a:latin typeface="Roboto"/>
+                <a:ea typeface="Roboto"/>
+                <a:cs typeface="Roboto"/>
+                <a:sym typeface="Roboto"/>
+              </a:rPr>
+              <a:t>Both can capture and interpret protocols(</a:t>
+            </a:r>
+            <a:r>
+              <a:rPr lang="pt-BR" sz="1000" b="1" dirty="0" err="1">
+                <a:solidFill>
+                  <a:schemeClr val="dk1"/>
+                </a:solidFill>
+                <a:latin typeface="Roboto"/>
+                <a:ea typeface="Roboto"/>
+                <a:cs typeface="Roboto"/>
+                <a:sym typeface="Roboto"/>
+              </a:rPr>
+              <a:t>TCP,UDP,ICMP,ARP,HTTP,DNS</a:t>
+            </a:r>
+            <a:r>
+              <a:rPr lang="pt-BR" sz="1000" dirty="0" err="1">
+                <a:solidFill>
+                  <a:schemeClr val="dk1"/>
+                </a:solidFill>
+                <a:latin typeface="Roboto"/>
+                <a:ea typeface="Roboto"/>
+                <a:cs typeface="Roboto"/>
+                <a:sym typeface="Roboto"/>
+              </a:rPr>
+              <a:t>,etc</a:t>
+            </a:r>
+            <a:r>
               <a:rPr lang="pt-BR" sz="1000" dirty="0">
                 <a:solidFill>
                   <a:schemeClr val="dk1"/>
@@ -6393,43 +6502,7 @@
                 <a:cs typeface="Roboto"/>
                 <a:sym typeface="Roboto"/>
               </a:rPr>
-              <a:t>Ambos conseguem capturar e interpretar protocolos </a:t>
-            </a:r>
-            <a:r>
-              <a:rPr lang="pt-BR" sz="1000" b="1" dirty="0" err="1">
-                <a:solidFill>
-                  <a:schemeClr val="dk1"/>
-                </a:solidFill>
-                <a:latin typeface="Roboto"/>
-                <a:ea typeface="Roboto"/>
-                <a:cs typeface="Roboto"/>
-                <a:sym typeface="Roboto"/>
-              </a:rPr>
-              <a:t>TCP,UDP,ICMP,ARP,HTTP,DNS</a:t>
-            </a:r>
-            <a:r>
-              <a:rPr lang="pt-BR" sz="1000" dirty="0" err="1">
-                <a:solidFill>
-                  <a:schemeClr val="dk1"/>
-                </a:solidFill>
-                <a:latin typeface="Roboto"/>
-                <a:ea typeface="Roboto"/>
-                <a:cs typeface="Roboto"/>
-                <a:sym typeface="Roboto"/>
-              </a:rPr>
-              <a:t>,etc</a:t>
-            </a:r>
-            <a:r>
-              <a:rPr lang="pt-BR" sz="1000" dirty="0">
-                <a:solidFill>
-                  <a:schemeClr val="dk1"/>
-                </a:solidFill>
-                <a:latin typeface="Roboto"/>
-                <a:ea typeface="Roboto"/>
-                <a:cs typeface="Roboto"/>
-                <a:sym typeface="Roboto"/>
-              </a:rPr>
-              <a:t>.</a:t>
+              <a:t>.)</a:t>
             </a:r>
           </a:p>
           <a:p>
@@ -6445,28 +6518,28 @@
               <a:buChar char="●"/>
             </a:pPr>
             <a:r>
-              <a:rPr lang="pt-BR" sz="1000" dirty="0">
-                <a:solidFill>
-                  <a:schemeClr val="dk1"/>
-                </a:solidFill>
-                <a:latin typeface="Roboto"/>
-                <a:ea typeface="Roboto"/>
-                <a:cs typeface="Roboto"/>
-                <a:sym typeface="Roboto"/>
-              </a:rPr>
-              <a:t>Ambos operam nas camadas de rede e transporte do </a:t>
-            </a:r>
-            <a:r>
-              <a:rPr lang="pt-BR" sz="1000" b="1" dirty="0">
-                <a:solidFill>
-                  <a:schemeClr val="dk1"/>
-                </a:solidFill>
-                <a:latin typeface="Roboto"/>
-                <a:ea typeface="Roboto"/>
-                <a:cs typeface="Roboto"/>
-                <a:sym typeface="Roboto"/>
-              </a:rPr>
-              <a:t>modelo OSI</a:t>
+              <a:rPr lang="en-US" sz="1000" dirty="0">
+                <a:solidFill>
+                  <a:schemeClr val="dk1"/>
+                </a:solidFill>
+                <a:latin typeface="Roboto"/>
+                <a:ea typeface="Roboto"/>
+                <a:cs typeface="Roboto"/>
+                <a:sym typeface="Roboto"/>
+              </a:rPr>
+              <a:t>Both operate at the network and transport layers of the </a:t>
+            </a:r>
+            <a:r>
+              <a:rPr lang="en-US" sz="1000" b="1" dirty="0">
+                <a:solidFill>
+                  <a:schemeClr val="dk1"/>
+                </a:solidFill>
+                <a:latin typeface="Roboto"/>
+                <a:ea typeface="Roboto"/>
+                <a:cs typeface="Roboto"/>
+                <a:sym typeface="Roboto"/>
+              </a:rPr>
+              <a:t>OSI model</a:t>
             </a:r>
             <a:endParaRPr sz="1000" b="1" dirty="0">
               <a:solidFill>
@@ -6591,7 +6664,31 @@
                 <a:cs typeface="Roboto"/>
                 <a:sym typeface="Roboto"/>
               </a:rPr>
-              <a:t> Linha de comando (CLI)</a:t>
+              <a:t> Command </a:t>
+            </a:r>
+            <a:r>
+              <a:rPr lang="pt-BR" sz="1100" dirty="0" err="1">
+                <a:solidFill>
+                  <a:schemeClr val="dk1"/>
+                </a:solidFill>
+                <a:latin typeface="Roboto"/>
+                <a:ea typeface="Roboto"/>
+                <a:cs typeface="Roboto"/>
+                <a:sym typeface="Roboto"/>
+              </a:rPr>
+              <a:t>Line</a:t>
+            </a:r>
+            <a:r>
+              <a:rPr lang="pt-BR" sz="1100" dirty="0">
+                <a:solidFill>
+                  <a:schemeClr val="dk1"/>
+                </a:solidFill>
+                <a:latin typeface="Roboto"/>
+                <a:ea typeface="Roboto"/>
+                <a:cs typeface="Roboto"/>
+                <a:sym typeface="Roboto"/>
+              </a:rPr>
+              <a:t> (CLI)</a:t>
             </a:r>
           </a:p>
           <a:p>
@@ -6607,6 +6704,18 @@
               <a:buChar char="§"/>
             </a:pPr>
             <a:r>
+              <a:rPr lang="pt-BR" sz="1100" b="1" dirty="0" err="1">
+                <a:solidFill>
+                  <a:schemeClr val="dk1"/>
+                </a:solidFill>
+                <a:latin typeface="Roboto"/>
+                <a:ea typeface="Roboto"/>
+                <a:cs typeface="Roboto"/>
+                <a:sym typeface="Roboto"/>
+              </a:rPr>
+              <a:t>Visualization</a:t>
+            </a:r>
+            <a:r>
               <a:rPr lang="pt-BR" sz="1100" b="1" dirty="0">
                 <a:solidFill>
                   <a:schemeClr val="dk1"/>
@@ -6616,20 +6725,29 @@
                 <a:cs typeface="Roboto"/>
                 <a:sym typeface="Roboto"/>
               </a:rPr>
-              <a:t>Visualização: </a:t>
-            </a:r>
-            <a:r>
-              <a:rPr lang="pt-BR" sz="1100" dirty="0">
-                <a:solidFill>
-                  <a:schemeClr val="dk1"/>
-                </a:solidFill>
-                <a:latin typeface="Roboto"/>
-                <a:ea typeface="Roboto"/>
-                <a:cs typeface="Roboto"/>
-                <a:sym typeface="Roboto"/>
-              </a:rPr>
-              <a:t>Exibe pacotes em texto, em tempo real.</a:t>
-            </a:r>
+              <a:t>: </a:t>
+            </a:r>
+            <a:r>
+              <a:rPr lang="en-US" sz="1100" dirty="0">
+                <a:solidFill>
+                  <a:schemeClr val="dk1"/>
+                </a:solidFill>
+                <a:latin typeface="Roboto"/>
+                <a:ea typeface="Roboto"/>
+                <a:cs typeface="Roboto"/>
+                <a:sym typeface="Roboto"/>
+              </a:rPr>
+              <a:t>Displays packages in text, in real time.</a:t>
+            </a:r>
+            <a:endParaRPr lang="pt-BR" sz="1100" dirty="0">
+              <a:solidFill>
+                <a:schemeClr val="dk1"/>
+              </a:solidFill>
+              <a:latin typeface="Roboto"/>
+              <a:ea typeface="Roboto"/>
+              <a:cs typeface="Roboto"/>
+              <a:sym typeface="Roboto"/>
+            </a:endParaRPr>
           </a:p>
           <a:p>
             <a:pPr marL="330200" indent="-171450">
@@ -6653,7 +6771,7 @@
                 <a:cs typeface="Roboto"/>
                 <a:sym typeface="Roboto"/>
               </a:rPr>
-              <a:t>Nivel</a:t>
+              <a:t>Detail</a:t>
             </a:r>
             <a:r>
               <a:rPr lang="pt-BR" sz="1100" b="1" dirty="0">
@@ -6665,20 +6783,53 @@
                 <a:cs typeface="Roboto"/>
                 <a:sym typeface="Roboto"/>
               </a:rPr>
-              <a:t> de detalhe: </a:t>
-            </a:r>
-            <a:r>
-              <a:rPr lang="pt-BR" sz="1100" dirty="0">
-                <a:solidFill>
-                  <a:schemeClr val="dk1"/>
-                </a:solidFill>
-                <a:latin typeface="Roboto"/>
-                <a:ea typeface="Roboto"/>
-                <a:cs typeface="Roboto"/>
-                <a:sym typeface="Roboto"/>
-              </a:rPr>
-              <a:t>Alto (mostra cabeçalhos e dados brutos)</a:t>
-            </a:r>
+              <a:t> </a:t>
+            </a:r>
+            <a:r>
+              <a:rPr lang="pt-BR" sz="1100" b="1" dirty="0" err="1">
+                <a:solidFill>
+                  <a:schemeClr val="dk1"/>
+                </a:solidFill>
+                <a:latin typeface="Roboto"/>
+                <a:ea typeface="Roboto"/>
+                <a:cs typeface="Roboto"/>
+                <a:sym typeface="Roboto"/>
+              </a:rPr>
+              <a:t>Level</a:t>
+            </a:r>
+            <a:r>
+              <a:rPr lang="pt-BR" sz="1100" b="1" dirty="0">
+                <a:solidFill>
+                  <a:schemeClr val="dk1"/>
+                </a:solidFill>
+                <a:latin typeface="Roboto"/>
+                <a:ea typeface="Roboto"/>
+                <a:cs typeface="Roboto"/>
+                <a:sym typeface="Roboto"/>
+              </a:rPr>
+              <a:t>: </a:t>
+            </a:r>
+            <a:r>
+              <a:rPr lang="en-US" sz="1100" dirty="0">
+                <a:solidFill>
+                  <a:schemeClr val="dk1"/>
+                </a:solidFill>
+                <a:latin typeface="Roboto"/>
+                <a:ea typeface="Roboto"/>
+                <a:cs typeface="Roboto"/>
+                <a:sym typeface="Roboto"/>
+              </a:rPr>
+              <a:t>High (shows headers and raw data)</a:t>
+            </a:r>
+            <a:endParaRPr lang="pt-BR" sz="1100" dirty="0">
+              <a:solidFill>
+                <a:schemeClr val="dk1"/>
+              </a:solidFill>
+              <a:latin typeface="Roboto"/>
+              <a:ea typeface="Roboto"/>
+              <a:cs typeface="Roboto"/>
+              <a:sym typeface="Roboto"/>
+            </a:endParaRPr>
           </a:p>
           <a:p>
             <a:pPr marL="330200" indent="-171450">
@@ -6702,7 +6853,43 @@
                 <a:cs typeface="Roboto"/>
                 <a:sym typeface="Roboto"/>
               </a:rPr>
-              <a:t>Analise pós-captura: </a:t>
+              <a:t>Post-capture </a:t>
+            </a:r>
+            <a:r>
+              <a:rPr lang="pt-BR" sz="1100" b="1" dirty="0" err="1">
+                <a:solidFill>
+                  <a:schemeClr val="dk1"/>
+                </a:solidFill>
+                <a:latin typeface="Roboto"/>
+                <a:ea typeface="Roboto"/>
+                <a:cs typeface="Roboto"/>
+                <a:sym typeface="Roboto"/>
+              </a:rPr>
+              <a:t>analysis</a:t>
+            </a:r>
+            <a:r>
+              <a:rPr lang="pt-BR" sz="1100" b="1" dirty="0">
+                <a:solidFill>
+                  <a:schemeClr val="dk1"/>
+                </a:solidFill>
+                <a:latin typeface="Roboto"/>
+                <a:ea typeface="Roboto"/>
+                <a:cs typeface="Roboto"/>
+                <a:sym typeface="Roboto"/>
+              </a:rPr>
+              <a:t>: </a:t>
+            </a:r>
+            <a:r>
+              <a:rPr lang="pt-BR" sz="1100" dirty="0" err="1">
+                <a:solidFill>
+                  <a:schemeClr val="dk1"/>
+                </a:solidFill>
+                <a:latin typeface="Roboto"/>
+                <a:ea typeface="Roboto"/>
+                <a:cs typeface="Roboto"/>
+                <a:sym typeface="Roboto"/>
+              </a:rPr>
+              <a:t>Limited</a:t>
             </a:r>
             <a:r>
               <a:rPr lang="pt-BR" sz="1100" dirty="0">
@@ -6714,7 +6901,55 @@
                 <a:cs typeface="Roboto"/>
                 <a:sym typeface="Roboto"/>
               </a:rPr>
-              <a:t>Limitada, análise textual via filtros.</a:t>
+              <a:t>, textual </a:t>
+            </a:r>
+            <a:r>
+              <a:rPr lang="pt-BR" sz="1100" dirty="0" err="1">
+                <a:solidFill>
+                  <a:schemeClr val="dk1"/>
+                </a:solidFill>
+                <a:latin typeface="Roboto"/>
+                <a:ea typeface="Roboto"/>
+                <a:cs typeface="Roboto"/>
+                <a:sym typeface="Roboto"/>
+              </a:rPr>
+              <a:t>analysis</a:t>
+            </a:r>
+            <a:r>
+              <a:rPr lang="pt-BR" sz="1100" dirty="0">
+                <a:solidFill>
+                  <a:schemeClr val="dk1"/>
+                </a:solidFill>
+                <a:latin typeface="Roboto"/>
+                <a:ea typeface="Roboto"/>
+                <a:cs typeface="Roboto"/>
+                <a:sym typeface="Roboto"/>
+              </a:rPr>
+              <a:t> via </a:t>
+            </a:r>
+            <a:r>
+              <a:rPr lang="pt-BR" sz="1100" dirty="0" err="1">
+                <a:solidFill>
+                  <a:schemeClr val="dk1"/>
+                </a:solidFill>
+                <a:latin typeface="Roboto"/>
+                <a:ea typeface="Roboto"/>
+                <a:cs typeface="Roboto"/>
+                <a:sym typeface="Roboto"/>
+              </a:rPr>
+              <a:t>filters</a:t>
+            </a:r>
+            <a:r>
+              <a:rPr lang="pt-BR" sz="1100" dirty="0">
+                <a:solidFill>
+                  <a:schemeClr val="dk1"/>
+                </a:solidFill>
+                <a:latin typeface="Roboto"/>
+                <a:ea typeface="Roboto"/>
+                <a:cs typeface="Roboto"/>
+                <a:sym typeface="Roboto"/>
+              </a:rPr>
+              <a:t>.</a:t>
             </a:r>
           </a:p>
           <a:p>
@@ -6739,7 +6974,31 @@
                 <a:cs typeface="Roboto"/>
                 <a:sym typeface="Roboto"/>
               </a:rPr>
-              <a:t>Filtro de captura: </a:t>
+              <a:t>Capture </a:t>
+            </a:r>
+            <a:r>
+              <a:rPr lang="pt-BR" sz="1100" b="1" dirty="0" err="1">
+                <a:solidFill>
+                  <a:schemeClr val="dk1"/>
+                </a:solidFill>
+                <a:latin typeface="Roboto"/>
+                <a:ea typeface="Roboto"/>
+                <a:cs typeface="Roboto"/>
+                <a:sym typeface="Roboto"/>
+              </a:rPr>
+              <a:t>filter</a:t>
+            </a:r>
+            <a:r>
+              <a:rPr lang="pt-BR" sz="1100" b="1" dirty="0">
+                <a:solidFill>
+                  <a:schemeClr val="dk1"/>
+                </a:solidFill>
+                <a:latin typeface="Roboto"/>
+                <a:ea typeface="Roboto"/>
+                <a:cs typeface="Roboto"/>
+                <a:sym typeface="Roboto"/>
+              </a:rPr>
+              <a:t>: </a:t>
             </a:r>
             <a:r>
               <a:rPr lang="pt-BR" sz="1100" dirty="0">
@@ -6751,7 +7010,31 @@
                 <a:cs typeface="Roboto"/>
                 <a:sym typeface="Roboto"/>
               </a:rPr>
-              <a:t>Usa filtros BPF.</a:t>
+              <a:t>Use </a:t>
+            </a:r>
+            <a:r>
+              <a:rPr lang="pt-BR" sz="1100" dirty="0" err="1">
+                <a:solidFill>
+                  <a:schemeClr val="dk1"/>
+                </a:solidFill>
+                <a:latin typeface="Roboto"/>
+                <a:ea typeface="Roboto"/>
+                <a:cs typeface="Roboto"/>
+                <a:sym typeface="Roboto"/>
+              </a:rPr>
+              <a:t>filters</a:t>
+            </a:r>
+            <a:r>
+              <a:rPr lang="pt-BR" sz="1100" dirty="0">
+                <a:solidFill>
+                  <a:schemeClr val="dk1"/>
+                </a:solidFill>
+                <a:latin typeface="Roboto"/>
+                <a:ea typeface="Roboto"/>
+                <a:cs typeface="Roboto"/>
+                <a:sym typeface="Roboto"/>
+              </a:rPr>
+              <a:t> BPF.</a:t>
             </a:r>
           </a:p>
           <a:p>
@@ -6776,31 +7059,19 @@
                 <a:cs typeface="Roboto"/>
                 <a:sym typeface="Roboto"/>
               </a:rPr>
-              <a:t>Desempenho: </a:t>
-            </a:r>
-            <a:r>
-              <a:rPr lang="pt-BR" sz="1100" dirty="0">
-                <a:solidFill>
-                  <a:schemeClr val="dk1"/>
-                </a:solidFill>
-                <a:latin typeface="Roboto"/>
-                <a:ea typeface="Roboto"/>
-                <a:cs typeface="Roboto"/>
-                <a:sym typeface="Roboto"/>
-              </a:rPr>
-              <a:t>Muito leve, ideal para servidores e ambientes </a:t>
-            </a:r>
-            <a:r>
-              <a:rPr lang="pt-BR" sz="1100" dirty="0" err="1">
-                <a:solidFill>
-                  <a:schemeClr val="dk1"/>
-                </a:solidFill>
-                <a:latin typeface="Roboto"/>
-                <a:ea typeface="Roboto"/>
-                <a:cs typeface="Roboto"/>
-                <a:sym typeface="Roboto"/>
-              </a:rPr>
-              <a:t>headless</a:t>
+              <a:t>Performance: </a:t>
+            </a:r>
+            <a:r>
+              <a:rPr lang="en-US" sz="1100" dirty="0">
+                <a:solidFill>
+                  <a:schemeClr val="dk1"/>
+                </a:solidFill>
+                <a:latin typeface="Roboto"/>
+                <a:ea typeface="Roboto"/>
+                <a:cs typeface="Roboto"/>
+                <a:sym typeface="Roboto"/>
+              </a:rPr>
+              <a:t>Very lightweight, ideal for servers and headless environments</a:t>
             </a:r>
             <a:r>
               <a:rPr lang="pt-BR" sz="1100" dirty="0">
@@ -6828,6 +7099,18 @@
               <a:buChar char="§"/>
             </a:pPr>
             <a:r>
+              <a:rPr lang="pt-BR" sz="1100" b="1" dirty="0" err="1">
+                <a:solidFill>
+                  <a:schemeClr val="dk1"/>
+                </a:solidFill>
+                <a:latin typeface="Roboto"/>
+                <a:ea typeface="Roboto"/>
+                <a:cs typeface="Roboto"/>
+                <a:sym typeface="Roboto"/>
+              </a:rPr>
+              <a:t>Typical</a:t>
+            </a:r>
+            <a:r>
               <a:rPr lang="pt-BR" sz="1100" b="1" dirty="0">
                 <a:solidFill>
                   <a:schemeClr val="dk1"/>
@@ -6837,7 +7120,7 @@
                 <a:cs typeface="Roboto"/>
                 <a:sym typeface="Roboto"/>
               </a:rPr>
-              <a:t>Uso típico</a:t>
+              <a:t> use</a:t>
             </a:r>
             <a:r>
               <a:rPr lang="pt-BR" sz="1100" dirty="0">
@@ -6849,28 +7132,104 @@
                 <a:cs typeface="Roboto"/>
                 <a:sym typeface="Roboto"/>
               </a:rPr>
-              <a:t>: Diagnóstico rápido, captura em servidores remotos.</a:t>
-            </a:r>
-          </a:p>
-          <a:p>
-            <a:pPr marL="158750">
-              <a:lnSpc>
-                <a:spcPct val="115000"/>
-              </a:lnSpc>
-              <a:buClr>
-                <a:schemeClr val="dk1"/>
-              </a:buClr>
-              <a:buSzPts val="1100"/>
-            </a:pPr>
-            <a:endParaRPr lang="pt-BR" sz="1100" dirty="0">
-              <a:solidFill>
-                <a:schemeClr val="dk1"/>
-              </a:solidFill>
-              <a:latin typeface="Roboto"/>
-              <a:ea typeface="Roboto"/>
-              <a:cs typeface="Roboto"/>
-              <a:sym typeface="Roboto"/>
-            </a:endParaRPr>
+              <a:t>: </a:t>
+            </a:r>
+            <a:r>
+              <a:rPr lang="pt-BR" sz="1100" dirty="0" err="1">
+                <a:solidFill>
+                  <a:schemeClr val="dk1"/>
+                </a:solidFill>
+                <a:latin typeface="Roboto"/>
+                <a:ea typeface="Roboto"/>
+                <a:cs typeface="Roboto"/>
+                <a:sym typeface="Roboto"/>
+              </a:rPr>
+              <a:t>Quick</a:t>
+            </a:r>
+            <a:r>
+              <a:rPr lang="pt-BR" sz="1100" dirty="0">
+                <a:solidFill>
+                  <a:schemeClr val="dk1"/>
+                </a:solidFill>
+                <a:latin typeface="Roboto"/>
+                <a:ea typeface="Roboto"/>
+                <a:cs typeface="Roboto"/>
+                <a:sym typeface="Roboto"/>
+              </a:rPr>
+              <a:t> </a:t>
+            </a:r>
+            <a:r>
+              <a:rPr lang="pt-BR" sz="1100" dirty="0" err="1">
+                <a:solidFill>
+                  <a:schemeClr val="dk1"/>
+                </a:solidFill>
+                <a:latin typeface="Roboto"/>
+                <a:ea typeface="Roboto"/>
+                <a:cs typeface="Roboto"/>
+                <a:sym typeface="Roboto"/>
+              </a:rPr>
+              <a:t>diagnostics</a:t>
+            </a:r>
+            <a:r>
+              <a:rPr lang="pt-BR" sz="1100" dirty="0">
+                <a:solidFill>
+                  <a:schemeClr val="dk1"/>
+                </a:solidFill>
+                <a:latin typeface="Roboto"/>
+                <a:ea typeface="Roboto"/>
+                <a:cs typeface="Roboto"/>
+                <a:sym typeface="Roboto"/>
+              </a:rPr>
+              <a:t>, capture </a:t>
+            </a:r>
+            <a:r>
+              <a:rPr lang="pt-BR" sz="1100" dirty="0" err="1">
+                <a:solidFill>
+                  <a:schemeClr val="dk1"/>
+                </a:solidFill>
+                <a:latin typeface="Roboto"/>
+                <a:ea typeface="Roboto"/>
+                <a:cs typeface="Roboto"/>
+                <a:sym typeface="Roboto"/>
+              </a:rPr>
+              <a:t>on</a:t>
+            </a:r>
+            <a:r>
+              <a:rPr lang="pt-BR" sz="1100" dirty="0">
+                <a:solidFill>
+                  <a:schemeClr val="dk1"/>
+                </a:solidFill>
+                <a:latin typeface="Roboto"/>
+                <a:ea typeface="Roboto"/>
+                <a:cs typeface="Roboto"/>
+                <a:sym typeface="Roboto"/>
+              </a:rPr>
+              <a:t> </a:t>
+            </a:r>
+            <a:r>
+              <a:rPr lang="pt-BR" sz="1100" dirty="0" err="1">
+                <a:solidFill>
+                  <a:schemeClr val="dk1"/>
+                </a:solidFill>
+                <a:latin typeface="Roboto"/>
+                <a:ea typeface="Roboto"/>
+                <a:cs typeface="Roboto"/>
+                <a:sym typeface="Roboto"/>
+              </a:rPr>
+              <a:t>remote</a:t>
+            </a:r>
+            <a:r>
+              <a:rPr lang="pt-BR" sz="1100" dirty="0">
+                <a:solidFill>
+                  <a:schemeClr val="dk1"/>
+                </a:solidFill>
+                <a:latin typeface="Roboto"/>
+                <a:ea typeface="Roboto"/>
+                <a:cs typeface="Roboto"/>
+                <a:sym typeface="Roboto"/>
+              </a:rPr>
+              <a:t> servers.</a:t>
+            </a:r>
           </a:p>
         </p:txBody>
       </p:sp>
